--- a/How does this work.pptx
+++ b/How does this work.pptx
@@ -7574,12 +7574,12 @@
             <a:p>
               <a:pPr algn="ctr"/>
               <a:r>
-                <a:rPr lang="en-GB" sz="1200" dirty="0" err="1"/>
-                <a:t>s</a:t>
-              </a:r>
-              <a:r>
-                <a:rPr lang="en-GB" sz="1200" dirty="0" err="1" smtClean="0"/>
-                <a:t>ms.sqlite</a:t>
+                <a:rPr lang="en-GB" sz="800" dirty="0" err="1">
+                  <a:solidFill>
+                    <a:prstClr val="white"/>
+                  </a:solidFill>
+                </a:rPr>
+                <a:t>whatsapp.sqlite</a:t>
               </a:r>
               <a:endParaRPr lang="en-GB" sz="1200" dirty="0"/>
             </a:p>
@@ -8480,7 +8480,7 @@
                     <a:ea typeface="Calibri" panose="020F0502020204030204" pitchFamily="34" charset="0"/>
                     <a:cs typeface="Times New Roman" panose="02020603050405020304" pitchFamily="18" charset="0"/>
                   </a:rPr>
-                  <a:t>extractor.py</a:t>
+                  <a:t>output.py</a:t>
                 </a:r>
                 <a:endParaRPr lang="en-GB" sz="1100" dirty="0">
                   <a:effectLst/>
@@ -10215,7 +10215,7 @@
                     <a:ea typeface="Calibri" panose="020F0502020204030204" pitchFamily="34" charset="0"/>
                     <a:cs typeface="Times New Roman" panose="02020603050405020304" pitchFamily="18" charset="0"/>
                   </a:rPr>
-                  <a:t>extractor.py</a:t>
+                  <a:t>output.py</a:t>
                 </a:r>
                 <a:endParaRPr lang="en-GB" sz="1100" dirty="0">
                   <a:effectLst/>
